--- a/BE project/main ppt.pptx
+++ b/BE project/main ppt.pptx
@@ -5,17 +5,16 @@
     <p:sldMasterId id="2147483978" r:id="rId1"/>
   </p:sldMasterIdLst>
   <p:notesMasterIdLst>
-    <p:notesMasterId r:id="rId10"/>
+    <p:notesMasterId r:id="rId9"/>
   </p:notesMasterIdLst>
   <p:sldIdLst>
     <p:sldId id="274" r:id="rId2"/>
-    <p:sldId id="258" r:id="rId3"/>
-    <p:sldId id="275" r:id="rId4"/>
-    <p:sldId id="269" r:id="rId5"/>
-    <p:sldId id="268" r:id="rId6"/>
-    <p:sldId id="270" r:id="rId7"/>
-    <p:sldId id="271" r:id="rId8"/>
-    <p:sldId id="272" r:id="rId9"/>
+    <p:sldId id="275" r:id="rId3"/>
+    <p:sldId id="269" r:id="rId4"/>
+    <p:sldId id="268" r:id="rId5"/>
+    <p:sldId id="270" r:id="rId6"/>
+    <p:sldId id="271" r:id="rId7"/>
+    <p:sldId id="272" r:id="rId8"/>
   </p:sldIdLst>
   <p:sldSz cx="9144000" cy="6858000" type="screen4x3"/>
   <p:notesSz cx="6858000" cy="9144000"/>
@@ -762,7 +761,7 @@
             <a:fld id="{D42C83CD-A3D9-4C43-A140-EB97784CB7F4}" type="datetimeFigureOut">
               <a:rPr lang="en-US" smtClean="0"/>
               <a:pPr/>
-              <a:t>10/17/2018</a:t>
+              <a:t>12/20/2018</a:t>
             </a:fld>
             <a:endParaRPr lang="en-US" dirty="0"/>
           </a:p>
@@ -928,7 +927,7 @@
             <a:fld id="{D42C83CD-A3D9-4C43-A140-EB97784CB7F4}" type="datetimeFigureOut">
               <a:rPr lang="en-US" smtClean="0"/>
               <a:pPr/>
-              <a:t>10/17/2018</a:t>
+              <a:t>12/20/2018</a:t>
             </a:fld>
             <a:endParaRPr lang="en-US" dirty="0"/>
           </a:p>
@@ -1104,7 +1103,7 @@
             <a:fld id="{D42C83CD-A3D9-4C43-A140-EB97784CB7F4}" type="datetimeFigureOut">
               <a:rPr lang="en-US" smtClean="0"/>
               <a:pPr/>
-              <a:t>10/17/2018</a:t>
+              <a:t>12/20/2018</a:t>
             </a:fld>
             <a:endParaRPr lang="en-US" dirty="0"/>
           </a:p>
@@ -1289,7 +1288,7 @@
             <a:fld id="{D42C83CD-A3D9-4C43-A140-EB97784CB7F4}" type="datetimeFigureOut">
               <a:rPr lang="en-US" smtClean="0"/>
               <a:pPr/>
-              <a:t>10/17/2018</a:t>
+              <a:t>12/20/2018</a:t>
             </a:fld>
             <a:endParaRPr lang="en-US" dirty="0"/>
           </a:p>
@@ -1553,7 +1552,7 @@
             <a:fld id="{D42C83CD-A3D9-4C43-A140-EB97784CB7F4}" type="datetimeFigureOut">
               <a:rPr lang="en-US" smtClean="0"/>
               <a:pPr/>
-              <a:t>10/17/2018</a:t>
+              <a:t>12/20/2018</a:t>
             </a:fld>
             <a:endParaRPr lang="en-US" dirty="0"/>
           </a:p>
@@ -1902,7 +1901,7 @@
             <a:fld id="{D42C83CD-A3D9-4C43-A140-EB97784CB7F4}" type="datetimeFigureOut">
               <a:rPr lang="en-US" smtClean="0"/>
               <a:pPr/>
-              <a:t>10/17/2018</a:t>
+              <a:t>12/20/2018</a:t>
             </a:fld>
             <a:endParaRPr lang="en-US" dirty="0"/>
           </a:p>
@@ -2210,7 +2209,7 @@
             <a:fld id="{D42C83CD-A3D9-4C43-A140-EB97784CB7F4}" type="datetimeFigureOut">
               <a:rPr lang="en-US" smtClean="0"/>
               <a:pPr/>
-              <a:t>10/17/2018</a:t>
+              <a:t>12/20/2018</a:t>
             </a:fld>
             <a:endParaRPr lang="en-US" dirty="0"/>
           </a:p>
@@ -2439,7 +2438,7 @@
             <a:fld id="{D42C83CD-A3D9-4C43-A140-EB97784CB7F4}" type="datetimeFigureOut">
               <a:rPr lang="en-US" smtClean="0"/>
               <a:pPr/>
-              <a:t>10/17/2018</a:t>
+              <a:t>12/20/2018</a:t>
             </a:fld>
             <a:endParaRPr lang="en-US" dirty="0"/>
           </a:p>
@@ -2531,7 +2530,7 @@
             <a:fld id="{D42C83CD-A3D9-4C43-A140-EB97784CB7F4}" type="datetimeFigureOut">
               <a:rPr lang="en-US" smtClean="0"/>
               <a:pPr/>
-              <a:t>10/17/2018</a:t>
+              <a:t>12/20/2018</a:t>
             </a:fld>
             <a:endParaRPr lang="en-US" dirty="0"/>
           </a:p>
@@ -2821,7 +2820,7 @@
             <a:fld id="{D42C83CD-A3D9-4C43-A140-EB97784CB7F4}" type="datetimeFigureOut">
               <a:rPr lang="en-US" smtClean="0"/>
               <a:pPr/>
-              <a:t>10/17/2018</a:t>
+              <a:t>12/20/2018</a:t>
             </a:fld>
             <a:endParaRPr lang="en-US" dirty="0"/>
           </a:p>
@@ -3092,7 +3091,7 @@
             <a:fld id="{D42C83CD-A3D9-4C43-A140-EB97784CB7F4}" type="datetimeFigureOut">
               <a:rPr lang="en-US" smtClean="0"/>
               <a:pPr/>
-              <a:t>10/17/2018</a:t>
+              <a:t>12/20/2018</a:t>
             </a:fld>
             <a:endParaRPr lang="en-US" dirty="0"/>
           </a:p>
@@ -3304,7 +3303,7 @@
             <a:fld id="{D42C83CD-A3D9-4C43-A140-EB97784CB7F4}" type="datetimeFigureOut">
               <a:rPr lang="en-US" smtClean="0"/>
               <a:pPr/>
-              <a:t>10/17/2018</a:t>
+              <a:t>12/20/2018</a:t>
             </a:fld>
             <a:endParaRPr lang="en-US" dirty="0"/>
           </a:p>
@@ -3867,7 +3866,7 @@
             </a:br>
             <a:r>
               <a:rPr lang="en-US" sz="2800" dirty="0"/>
-              <a:t>Department Of Computer Engineering</a:t>
+              <a:t>Department of Computer Engineering</a:t>
             </a:r>
           </a:p>
         </p:txBody>
@@ -3890,7 +3889,7 @@
         </p:spPr>
         <p:txBody>
           <a:bodyPr>
-            <a:normAutofit fontScale="70000" lnSpcReduction="20000"/>
+            <a:normAutofit fontScale="62500" lnSpcReduction="20000"/>
           </a:bodyPr>
           <a:lstStyle/>
           <a:p>
@@ -3929,22 +3928,13 @@
               <a:buNone/>
             </a:pPr>
             <a:r>
-              <a:rPr lang="en-US" sz="2900">
+              <a:rPr lang="en-US" sz="2900" dirty="0">
                 <a:solidFill>
                   <a:schemeClr val="tx1"/>
                 </a:solidFill>
                 <a:latin typeface="Book Antiqua" pitchFamily="18" charset="0"/>
               </a:rPr>
-              <a:t>Project Review </a:t>
-            </a:r>
-            <a:r>
-              <a:rPr lang="en-US" sz="2900" dirty="0">
-                <a:solidFill>
-                  <a:schemeClr val="tx1"/>
-                </a:solidFill>
-                <a:latin typeface="Book Antiqua" pitchFamily="18" charset="0"/>
-              </a:rPr>
-              <a:t>on</a:t>
+              <a:t>Project Review on</a:t>
             </a:r>
           </a:p>
           <a:p>
@@ -4003,6 +3993,17 @@
             <a:pPr algn="ctr">
               <a:buNone/>
             </a:pPr>
+            <a:endParaRPr lang="en-US" sz="2900" dirty="0">
+              <a:solidFill>
+                <a:schemeClr val="tx1"/>
+              </a:solidFill>
+              <a:latin typeface="Book Antiqua" pitchFamily="18" charset="0"/>
+            </a:endParaRPr>
+          </a:p>
+          <a:p>
+            <a:pPr algn="ctr">
+              <a:buNone/>
+            </a:pPr>
             <a:r>
               <a:rPr lang="en-US" sz="2900" dirty="0">
                 <a:solidFill>
@@ -4010,7 +4011,7 @@
                 </a:solidFill>
                 <a:latin typeface="Book Antiqua" pitchFamily="18" charset="0"/>
               </a:rPr>
-              <a:t>BY</a:t>
+              <a:t>By</a:t>
             </a:r>
           </a:p>
           <a:p>
@@ -4024,17 +4025,27 @@
                 </a:solidFill>
                 <a:latin typeface="Book Antiqua" pitchFamily="18" charset="0"/>
               </a:rPr>
-              <a:t>        </a:t>
-            </a:r>
-            <a:r>
-              <a:rPr lang="en-US" sz="2900" dirty="0" err="1">
+              <a:t>  Sayali Galande    [B150104238] </a:t>
+            </a:r>
+          </a:p>
+          <a:p>
+            <a:pPr algn="ctr">
+              <a:buNone/>
+            </a:pPr>
+            <a:r>
+              <a:rPr lang="en-US" sz="2900" dirty="0">
                 <a:solidFill>
                   <a:schemeClr val="tx1"/>
                 </a:solidFill>
                 <a:latin typeface="Book Antiqua" pitchFamily="18" charset="0"/>
               </a:rPr>
-              <a:t>Sayali</a:t>
-            </a:r>
+              <a:t>  Simran Inamdar [B150104251] </a:t>
+            </a:r>
+          </a:p>
+          <a:p>
+            <a:pPr algn="ctr">
+              <a:buNone/>
+            </a:pPr>
             <a:r>
               <a:rPr lang="en-US" sz="2900" dirty="0">
                 <a:solidFill>
@@ -4042,139 +4053,21 @@
                 </a:solidFill>
                 <a:latin typeface="Book Antiqua" pitchFamily="18" charset="0"/>
               </a:rPr>
-              <a:t> </a:t>
-            </a:r>
-            <a:r>
-              <a:rPr lang="en-US" sz="2900" dirty="0" err="1">
+              <a:t>  Shreyas Jejurkar [B150104254] </a:t>
+            </a:r>
+          </a:p>
+          <a:p>
+            <a:pPr algn="ctr">
+              <a:buNone/>
+            </a:pPr>
+            <a:r>
+              <a:rPr lang="en-US" sz="2900" dirty="0">
                 <a:solidFill>
                   <a:schemeClr val="tx1"/>
                 </a:solidFill>
                 <a:latin typeface="Book Antiqua" pitchFamily="18" charset="0"/>
               </a:rPr>
-              <a:t>Galande</a:t>
-            </a:r>
-            <a:r>
-              <a:rPr lang="en-US" sz="2900" dirty="0">
-                <a:solidFill>
-                  <a:schemeClr val="tx1"/>
-                </a:solidFill>
-                <a:latin typeface="Book Antiqua" pitchFamily="18" charset="0"/>
-              </a:rPr>
-              <a:t> (4146) </a:t>
-            </a:r>
-          </a:p>
-          <a:p>
-            <a:pPr algn="ctr">
-              <a:buNone/>
-            </a:pPr>
-            <a:r>
-              <a:rPr lang="en-US" sz="2900" dirty="0">
-                <a:solidFill>
-                  <a:schemeClr val="tx1"/>
-                </a:solidFill>
-                <a:latin typeface="Book Antiqua" pitchFamily="18" charset="0"/>
-              </a:rPr>
-              <a:t>	    </a:t>
-            </a:r>
-            <a:r>
-              <a:rPr lang="en-US" sz="2900" dirty="0" err="1">
-                <a:solidFill>
-                  <a:schemeClr val="tx1"/>
-                </a:solidFill>
-                <a:latin typeface="Book Antiqua" pitchFamily="18" charset="0"/>
-              </a:rPr>
-              <a:t>Simran</a:t>
-            </a:r>
-            <a:r>
-              <a:rPr lang="en-US" sz="2900" dirty="0">
-                <a:solidFill>
-                  <a:schemeClr val="tx1"/>
-                </a:solidFill>
-                <a:latin typeface="Book Antiqua" pitchFamily="18" charset="0"/>
-              </a:rPr>
-              <a:t> </a:t>
-            </a:r>
-            <a:r>
-              <a:rPr lang="en-US" sz="2900" dirty="0" err="1">
-                <a:solidFill>
-                  <a:schemeClr val="tx1"/>
-                </a:solidFill>
-                <a:latin typeface="Book Antiqua" pitchFamily="18" charset="0"/>
-              </a:rPr>
-              <a:t>Inamdar</a:t>
-            </a:r>
-            <a:r>
-              <a:rPr lang="en-US" sz="2900" dirty="0">
-                <a:solidFill>
-                  <a:schemeClr val="tx1"/>
-                </a:solidFill>
-                <a:latin typeface="Book Antiqua" pitchFamily="18" charset="0"/>
-              </a:rPr>
-              <a:t> (4161)</a:t>
-            </a:r>
-          </a:p>
-          <a:p>
-            <a:pPr algn="ctr">
-              <a:buNone/>
-            </a:pPr>
-            <a:r>
-              <a:rPr lang="en-US" sz="2900" dirty="0">
-                <a:solidFill>
-                  <a:schemeClr val="tx1"/>
-                </a:solidFill>
-                <a:latin typeface="Book Antiqua" pitchFamily="18" charset="0"/>
-              </a:rPr>
-              <a:t>         </a:t>
-            </a:r>
-            <a:r>
-              <a:rPr lang="en-US" sz="2900" dirty="0" err="1">
-                <a:solidFill>
-                  <a:schemeClr val="tx1"/>
-                </a:solidFill>
-                <a:latin typeface="Book Antiqua" pitchFamily="18" charset="0"/>
-              </a:rPr>
-              <a:t>Shreyas</a:t>
-            </a:r>
-            <a:r>
-              <a:rPr lang="en-US" sz="2900" dirty="0">
-                <a:solidFill>
-                  <a:schemeClr val="tx1"/>
-                </a:solidFill>
-                <a:latin typeface="Book Antiqua" pitchFamily="18" charset="0"/>
-              </a:rPr>
-              <a:t> </a:t>
-            </a:r>
-            <a:r>
-              <a:rPr lang="en-US" sz="2900" dirty="0" err="1">
-                <a:solidFill>
-                  <a:schemeClr val="tx1"/>
-                </a:solidFill>
-                <a:latin typeface="Book Antiqua" pitchFamily="18" charset="0"/>
-              </a:rPr>
-              <a:t>Jejurkar</a:t>
-            </a:r>
-            <a:r>
-              <a:rPr lang="en-US" sz="2900" dirty="0">
-                <a:solidFill>
-                  <a:schemeClr val="tx1"/>
-                </a:solidFill>
-                <a:latin typeface="Book Antiqua" pitchFamily="18" charset="0"/>
-              </a:rPr>
-              <a:t> (4168)</a:t>
-            </a:r>
-          </a:p>
-          <a:p>
-            <a:pPr algn="ctr">
-              <a:buNone/>
-            </a:pPr>
-            <a:r>
-              <a:rPr lang="en-US" sz="2900" dirty="0">
-                <a:solidFill>
-                  <a:schemeClr val="tx1"/>
-                </a:solidFill>
-                <a:latin typeface="Book Antiqua" pitchFamily="18" charset="0"/>
-              </a:rPr>
-              <a:t>Nikita Kale (4171)</a:t>
+              <a:t>   Nikita Kale          [B150104258] </a:t>
             </a:r>
           </a:p>
           <a:p>
@@ -4273,7 +4166,7 @@
       </p:grpSpPr>
       <p:sp>
         <p:nvSpPr>
-          <p:cNvPr id="1048599" name="Title 1"/>
+          <p:cNvPr id="2" name="Title 1"/>
           <p:cNvSpPr>
             <a:spLocks noGrp="1"/>
           </p:cNvSpPr>
@@ -4281,29 +4174,21 @@
             <p:ph type="title"/>
           </p:nvPr>
         </p:nvSpPr>
-        <p:spPr>
-          <a:xfrm>
-            <a:off x="609600" y="685800"/>
-            <a:ext cx="8229600" cy="856488"/>
-          </a:xfrm>
-        </p:spPr>
+        <p:spPr/>
         <p:txBody>
           <a:bodyPr/>
           <a:lstStyle/>
           <a:p>
             <a:r>
-              <a:rPr lang="en-US" b="1" dirty="0">
-                <a:latin typeface="Times New Roman" panose="02020603050405020304" pitchFamily="18" charset="0"/>
-                <a:cs typeface="Times New Roman" panose="02020603050405020304" pitchFamily="18" charset="0"/>
-              </a:rPr>
-              <a:t>INDEX</a:t>
-            </a:r>
-          </a:p>
-        </p:txBody>
-      </p:sp>
-      <p:sp>
-        <p:nvSpPr>
-          <p:cNvPr id="1048600" name="Content Placeholder 2"/>
+              <a:rPr lang="en-US" dirty="0"/>
+              <a:t>Index</a:t>
+            </a:r>
+          </a:p>
+        </p:txBody>
+      </p:sp>
+      <p:sp>
+        <p:nvSpPr>
+          <p:cNvPr id="3" name="Content Placeholder 2"/>
           <p:cNvSpPr>
             <a:spLocks noGrp="1"/>
           </p:cNvSpPr>
@@ -4311,16 +4196,9 @@
             <p:ph idx="1"/>
           </p:nvPr>
         </p:nvSpPr>
-        <p:spPr>
-          <a:xfrm>
-            <a:off x="381000" y="1600200"/>
-            <a:ext cx="8458200" cy="4953000"/>
-          </a:xfrm>
-        </p:spPr>
-        <p:txBody>
-          <a:bodyPr>
-            <a:normAutofit fontScale="95000"/>
-          </a:bodyPr>
+        <p:spPr/>
+        <p:txBody>
+          <a:bodyPr/>
           <a:lstStyle/>
           <a:p>
             <a:pPr>
@@ -4334,63 +4212,11 @@
                 </a:solidFill>
                 <a:latin typeface="Times New Roman" pitchFamily="18" charset="0"/>
                 <a:cs typeface="Times New Roman" pitchFamily="18" charset="0"/>
+                <a:hlinkClick r:id="rId2" action="ppaction://hlinkpres?slideindex=1&amp;slidetitle="/>
               </a:rPr>
               <a:t>Review 1</a:t>
             </a:r>
-          </a:p>
-          <a:p>
-            <a:pPr>
-              <a:buFont typeface="Wingdings" panose="05000000000000000000" pitchFamily="2" charset="2"/>
-              <a:buChar char="Ø"/>
-            </a:pPr>
-            <a:r>
-              <a:rPr lang="en-US" sz="2400" dirty="0">
-                <a:solidFill>
-                  <a:schemeClr val="tx1"/>
-                </a:solidFill>
-                <a:latin typeface="Times New Roman" pitchFamily="18" charset="0"/>
-                <a:cs typeface="Times New Roman" pitchFamily="18" charset="0"/>
-              </a:rPr>
-              <a:t>Review 2</a:t>
-            </a:r>
-          </a:p>
-          <a:p>
-            <a:pPr>
-              <a:buFont typeface="Wingdings" panose="05000000000000000000" pitchFamily="2" charset="2"/>
-              <a:buChar char="Ø"/>
-            </a:pPr>
-            <a:r>
-              <a:rPr lang="en-US" dirty="0">
-                <a:solidFill>
-                  <a:schemeClr val="tx1"/>
-                </a:solidFill>
-                <a:latin typeface="Times New Roman" pitchFamily="18" charset="0"/>
-                <a:cs typeface="Times New Roman" pitchFamily="18" charset="0"/>
-              </a:rPr>
-              <a:t>Review 3</a:t>
-            </a:r>
-          </a:p>
-          <a:p>
-            <a:pPr>
-              <a:buFont typeface="Wingdings" panose="05000000000000000000" pitchFamily="2" charset="2"/>
-              <a:buChar char="Ø"/>
-            </a:pPr>
-            <a:r>
-              <a:rPr lang="en-US" sz="2400" dirty="0">
-                <a:solidFill>
-                  <a:schemeClr val="tx1"/>
-                </a:solidFill>
-                <a:latin typeface="Times New Roman" pitchFamily="18" charset="0"/>
-                <a:cs typeface="Times New Roman" pitchFamily="18" charset="0"/>
-              </a:rPr>
-              <a:t>Review 4</a:t>
-            </a:r>
-          </a:p>
-          <a:p>
-            <a:pPr marL="0" indent="0">
-              <a:buNone/>
-            </a:pPr>
-            <a:endParaRPr lang="en-US" sz="2400" dirty="0">
+            <a:endParaRPr lang="en-US" dirty="0">
               <a:solidFill>
                 <a:schemeClr val="tx1"/>
               </a:solidFill>
@@ -4398,9 +4224,86 @@
               <a:cs typeface="Times New Roman" pitchFamily="18" charset="0"/>
             </a:endParaRPr>
           </a:p>
+          <a:p>
+            <a:pPr>
+              <a:buFont typeface="Wingdings" panose="05000000000000000000" pitchFamily="2" charset="2"/>
+              <a:buChar char="Ø"/>
+            </a:pPr>
+            <a:r>
+              <a:rPr lang="en-US" dirty="0">
+                <a:solidFill>
+                  <a:schemeClr val="tx1"/>
+                </a:solidFill>
+                <a:latin typeface="Times New Roman" pitchFamily="18" charset="0"/>
+                <a:cs typeface="Times New Roman" pitchFamily="18" charset="0"/>
+                <a:hlinkClick r:id="rId3" action="ppaction://hlinkpres?slideindex=1&amp;slidetitle="/>
+              </a:rPr>
+              <a:t>Review 2</a:t>
+            </a:r>
+            <a:endParaRPr lang="en-US" dirty="0">
+              <a:solidFill>
+                <a:schemeClr val="tx1"/>
+              </a:solidFill>
+              <a:latin typeface="Times New Roman" pitchFamily="18" charset="0"/>
+              <a:cs typeface="Times New Roman" pitchFamily="18" charset="0"/>
+            </a:endParaRPr>
+          </a:p>
+          <a:p>
+            <a:pPr>
+              <a:buFont typeface="Wingdings" panose="05000000000000000000" pitchFamily="2" charset="2"/>
+              <a:buChar char="Ø"/>
+            </a:pPr>
+            <a:r>
+              <a:rPr lang="en-US" dirty="0">
+                <a:solidFill>
+                  <a:schemeClr val="tx1"/>
+                </a:solidFill>
+                <a:latin typeface="Times New Roman" pitchFamily="18" charset="0"/>
+                <a:cs typeface="Times New Roman" pitchFamily="18" charset="0"/>
+                <a:hlinkClick r:id="rId4" action="ppaction://hlinkpres?slideindex=1&amp;slidetitle="/>
+              </a:rPr>
+              <a:t>Review 3</a:t>
+            </a:r>
+            <a:endParaRPr lang="en-US" dirty="0">
+              <a:solidFill>
+                <a:schemeClr val="tx1"/>
+              </a:solidFill>
+              <a:latin typeface="Times New Roman" pitchFamily="18" charset="0"/>
+              <a:cs typeface="Times New Roman" pitchFamily="18" charset="0"/>
+            </a:endParaRPr>
+          </a:p>
+          <a:p>
+            <a:pPr>
+              <a:buFont typeface="Wingdings" panose="05000000000000000000" pitchFamily="2" charset="2"/>
+              <a:buChar char="Ø"/>
+            </a:pPr>
+            <a:r>
+              <a:rPr lang="en-US" dirty="0">
+                <a:solidFill>
+                  <a:schemeClr val="tx1"/>
+                </a:solidFill>
+                <a:latin typeface="Times New Roman" pitchFamily="18" charset="0"/>
+                <a:cs typeface="Times New Roman" pitchFamily="18" charset="0"/>
+                <a:hlinkClick r:id="rId5" action="ppaction://hlinkpres?slideindex=1&amp;slidetitle="/>
+              </a:rPr>
+              <a:t>Review 4 </a:t>
+            </a:r>
+            <a:endParaRPr lang="en-US" dirty="0">
+              <a:solidFill>
+                <a:schemeClr val="tx1"/>
+              </a:solidFill>
+              <a:latin typeface="Times New Roman" pitchFamily="18" charset="0"/>
+              <a:cs typeface="Times New Roman" pitchFamily="18" charset="0"/>
+            </a:endParaRPr>
+          </a:p>
         </p:txBody>
       </p:sp>
     </p:spTree>
+    <p:extLst>
+      <p:ext uri="{BB962C8B-B14F-4D97-AF65-F5344CB8AC3E}">
+        <p14:creationId xmlns:p14="http://schemas.microsoft.com/office/powerpoint/2010/main" val="4061291356"/>
+      </p:ext>
+    </p:extLst>
   </p:cSld>
   <p:clrMapOvr>
     <a:masterClrMapping/>
@@ -4427,7 +4330,7 @@
       </p:grpSpPr>
       <p:sp>
         <p:nvSpPr>
-          <p:cNvPr id="2" name="Title 1"/>
+          <p:cNvPr id="1048623" name="Title 1"/>
           <p:cNvSpPr>
             <a:spLocks noGrp="1"/>
           </p:cNvSpPr>
@@ -4435,21 +4338,29 @@
             <p:ph type="title"/>
           </p:nvPr>
         </p:nvSpPr>
-        <p:spPr/>
+        <p:spPr>
+          <a:xfrm>
+            <a:off x="723074" y="76200"/>
+            <a:ext cx="7055380" cy="1400530"/>
+          </a:xfrm>
+        </p:spPr>
         <p:txBody>
           <a:bodyPr/>
           <a:lstStyle/>
           <a:p>
             <a:r>
-              <a:rPr lang="en-US" dirty="0"/>
-              <a:t>Here We Go..</a:t>
-            </a:r>
-          </a:p>
-        </p:txBody>
-      </p:sp>
-      <p:sp>
-        <p:nvSpPr>
-          <p:cNvPr id="3" name="Content Placeholder 2"/>
+              <a:rPr lang="en-US" b="1" dirty="0">
+                <a:latin typeface="Times New Roman" pitchFamily="18" charset="0"/>
+                <a:cs typeface="Times New Roman" pitchFamily="18" charset="0"/>
+              </a:rPr>
+              <a:t>Future scope</a:t>
+            </a:r>
+          </a:p>
+        </p:txBody>
+      </p:sp>
+      <p:sp>
+        <p:nvSpPr>
+          <p:cNvPr id="1048624" name="Content Placeholder 2"/>
           <p:cNvSpPr>
             <a:spLocks noGrp="1"/>
           </p:cNvSpPr>
@@ -4457,27 +4368,82 @@
             <p:ph idx="1"/>
           </p:nvPr>
         </p:nvSpPr>
-        <p:spPr/>
-        <p:txBody>
-          <a:bodyPr/>
+        <p:spPr>
+          <a:xfrm>
+            <a:off x="1059287" y="1828800"/>
+            <a:ext cx="6711654" cy="4195481"/>
+          </a:xfrm>
+        </p:spPr>
+        <p:txBody>
+          <a:bodyPr>
+            <a:normAutofit/>
+          </a:bodyPr>
           <a:lstStyle/>
           <a:p>
             <a:pPr>
-              <a:buFont typeface="Wingdings" panose="05000000000000000000" pitchFamily="2" charset="2"/>
+              <a:lnSpc>
+                <a:spcPct val="150000"/>
+              </a:lnSpc>
+              <a:buFont typeface="Wingdings" pitchFamily="2" charset="2"/>
               <a:buChar char="Ø"/>
             </a:pPr>
             <a:r>
-              <a:rPr lang="en-US" dirty="0">
-                <a:solidFill>
-                  <a:schemeClr val="tx1"/>
-                </a:solidFill>
-                <a:latin typeface="Times New Roman" pitchFamily="18" charset="0"/>
-                <a:cs typeface="Times New Roman" pitchFamily="18" charset="0"/>
-                <a:hlinkClick r:id="rId2" action="ppaction://hlinkpres?slideindex=1&amp;slidetitle="/>
-              </a:rPr>
-              <a:t>Review 1</a:t>
-            </a:r>
-            <a:endParaRPr lang="en-US" dirty="0">
+              <a:rPr lang="en-US" sz="2400" dirty="0">
+                <a:solidFill>
+                  <a:schemeClr val="tx1"/>
+                </a:solidFill>
+                <a:latin typeface="Times New Roman" pitchFamily="18" charset="0"/>
+                <a:cs typeface="Times New Roman" pitchFamily="18" charset="0"/>
+              </a:rPr>
+              <a:t>Using this Web Application, the time required for the setting of question paper, making sure that the question should not be get repeated </a:t>
+            </a:r>
+          </a:p>
+          <a:p>
+            <a:pPr>
+              <a:lnSpc>
+                <a:spcPct val="150000"/>
+              </a:lnSpc>
+              <a:buFont typeface="Wingdings" pitchFamily="2" charset="2"/>
+              <a:buChar char="Ø"/>
+            </a:pPr>
+            <a:r>
+              <a:rPr lang="en-US" sz="2400" dirty="0">
+                <a:solidFill>
+                  <a:schemeClr val="tx1"/>
+                </a:solidFill>
+                <a:latin typeface="Times New Roman" pitchFamily="18" charset="0"/>
+                <a:cs typeface="Times New Roman" pitchFamily="18" charset="0"/>
+              </a:rPr>
+              <a:t>Less number of staff is required. </a:t>
+            </a:r>
+          </a:p>
+          <a:p>
+            <a:pPr>
+              <a:lnSpc>
+                <a:spcPct val="150000"/>
+              </a:lnSpc>
+              <a:buFont typeface="Wingdings" pitchFamily="2" charset="2"/>
+              <a:buChar char="Ø"/>
+            </a:pPr>
+            <a:r>
+              <a:rPr lang="en-US" sz="2400" dirty="0">
+                <a:solidFill>
+                  <a:schemeClr val="tx1"/>
+                </a:solidFill>
+                <a:latin typeface="Times New Roman" pitchFamily="18" charset="0"/>
+                <a:cs typeface="Times New Roman" pitchFamily="18" charset="0"/>
+              </a:rPr>
+              <a:t>It will be beneficial for colleges and university as it is generating questions using machine it will be error free and excludes human efforts.</a:t>
+            </a:r>
+          </a:p>
+          <a:p>
+            <a:pPr marL="0" indent="0">
+              <a:lnSpc>
+                <a:spcPct val="150000"/>
+              </a:lnSpc>
+              <a:buNone/>
+            </a:pPr>
+            <a:endParaRPr lang="en-US" sz="2400" dirty="0">
               <a:solidFill>
                 <a:schemeClr val="tx1"/>
               </a:solidFill>
@@ -4485,86 +4451,9 @@
               <a:cs typeface="Times New Roman" pitchFamily="18" charset="0"/>
             </a:endParaRPr>
           </a:p>
-          <a:p>
-            <a:pPr>
-              <a:buFont typeface="Wingdings" panose="05000000000000000000" pitchFamily="2" charset="2"/>
-              <a:buChar char="Ø"/>
-            </a:pPr>
-            <a:r>
-              <a:rPr lang="en-US" dirty="0">
-                <a:solidFill>
-                  <a:schemeClr val="tx1"/>
-                </a:solidFill>
-                <a:latin typeface="Times New Roman" pitchFamily="18" charset="0"/>
-                <a:cs typeface="Times New Roman" pitchFamily="18" charset="0"/>
-                <a:hlinkClick r:id="rId3" action="ppaction://hlinkpres?slideindex=1&amp;slidetitle="/>
-              </a:rPr>
-              <a:t>Review 2</a:t>
-            </a:r>
-            <a:endParaRPr lang="en-US" dirty="0">
-              <a:solidFill>
-                <a:schemeClr val="tx1"/>
-              </a:solidFill>
-              <a:latin typeface="Times New Roman" pitchFamily="18" charset="0"/>
-              <a:cs typeface="Times New Roman" pitchFamily="18" charset="0"/>
-            </a:endParaRPr>
-          </a:p>
-          <a:p>
-            <a:pPr>
-              <a:buFont typeface="Wingdings" panose="05000000000000000000" pitchFamily="2" charset="2"/>
-              <a:buChar char="Ø"/>
-            </a:pPr>
-            <a:r>
-              <a:rPr lang="en-US" dirty="0">
-                <a:solidFill>
-                  <a:schemeClr val="tx1"/>
-                </a:solidFill>
-                <a:latin typeface="Times New Roman" pitchFamily="18" charset="0"/>
-                <a:cs typeface="Times New Roman" pitchFamily="18" charset="0"/>
-                <a:hlinkClick r:id="rId4" action="ppaction://hlinkpres?slideindex=1&amp;slidetitle="/>
-              </a:rPr>
-              <a:t>Review 3</a:t>
-            </a:r>
-            <a:endParaRPr lang="en-US" dirty="0">
-              <a:solidFill>
-                <a:schemeClr val="tx1"/>
-              </a:solidFill>
-              <a:latin typeface="Times New Roman" pitchFamily="18" charset="0"/>
-              <a:cs typeface="Times New Roman" pitchFamily="18" charset="0"/>
-            </a:endParaRPr>
-          </a:p>
-          <a:p>
-            <a:pPr>
-              <a:buFont typeface="Wingdings" panose="05000000000000000000" pitchFamily="2" charset="2"/>
-              <a:buChar char="Ø"/>
-            </a:pPr>
-            <a:r>
-              <a:rPr lang="en-US" dirty="0">
-                <a:solidFill>
-                  <a:schemeClr val="tx1"/>
-                </a:solidFill>
-                <a:latin typeface="Times New Roman" pitchFamily="18" charset="0"/>
-                <a:cs typeface="Times New Roman" pitchFamily="18" charset="0"/>
-                <a:hlinkClick r:id="rId5" action="ppaction://hlinkpres?slideindex=1&amp;slidetitle="/>
-              </a:rPr>
-              <a:t>Review 4 </a:t>
-            </a:r>
-            <a:endParaRPr lang="en-US" dirty="0">
-              <a:solidFill>
-                <a:schemeClr val="tx1"/>
-              </a:solidFill>
-              <a:latin typeface="Times New Roman" pitchFamily="18" charset="0"/>
-              <a:cs typeface="Times New Roman" pitchFamily="18" charset="0"/>
-            </a:endParaRPr>
-          </a:p>
         </p:txBody>
       </p:sp>
     </p:spTree>
-    <p:extLst>
-      <p:ext uri="{BB962C8B-B14F-4D97-AF65-F5344CB8AC3E}">
-        <p14:creationId xmlns:p14="http://schemas.microsoft.com/office/powerpoint/2010/main" val="4061291356"/>
-      </p:ext>
-    </p:extLst>
   </p:cSld>
   <p:clrMapOvr>
     <a:masterClrMapping/>
@@ -4591,7 +4480,7 @@
       </p:grpSpPr>
       <p:sp>
         <p:nvSpPr>
-          <p:cNvPr id="1048623" name="Title 1"/>
+          <p:cNvPr id="1048621" name="Title 1"/>
           <p:cNvSpPr>
             <a:spLocks noGrp="1"/>
           </p:cNvSpPr>
@@ -4602,7 +4491,7 @@
         <p:spPr>
           <a:xfrm>
             <a:off x="533400" y="609600"/>
-            <a:ext cx="7055380" cy="1400530"/>
+            <a:ext cx="8229600" cy="856488"/>
           </a:xfrm>
         </p:spPr>
         <p:txBody>
@@ -4614,14 +4503,14 @@
                 <a:latin typeface="Times New Roman" pitchFamily="18" charset="0"/>
                 <a:cs typeface="Times New Roman" pitchFamily="18" charset="0"/>
               </a:rPr>
-              <a:t>Future scope</a:t>
-            </a:r>
-          </a:p>
-        </p:txBody>
-      </p:sp>
-      <p:sp>
-        <p:nvSpPr>
-          <p:cNvPr id="1048624" name="Content Placeholder 2"/>
+              <a:t>Conclusion</a:t>
+            </a:r>
+          </a:p>
+        </p:txBody>
+      </p:sp>
+      <p:sp>
+        <p:nvSpPr>
+          <p:cNvPr id="1048622" name="Content Placeholder 2"/>
           <p:cNvSpPr>
             <a:spLocks noGrp="1"/>
           </p:cNvSpPr>
@@ -4631,8 +4520,8 @@
         </p:nvSpPr>
         <p:spPr>
           <a:xfrm>
-            <a:off x="1066800" y="2362200"/>
-            <a:ext cx="6711654" cy="4195481"/>
+            <a:off x="304800" y="1828800"/>
+            <a:ext cx="8610600" cy="4876800"/>
           </a:xfrm>
         </p:spPr>
         <p:txBody>
@@ -4656,7 +4545,7 @@
                 <a:latin typeface="Times New Roman" pitchFamily="18" charset="0"/>
                 <a:cs typeface="Times New Roman" pitchFamily="18" charset="0"/>
               </a:rPr>
-              <a:t>Using this Web Application, the time required for the setting of question paper, making sure that the question should not be get repeated </a:t>
+              <a:t>Proposed system will help colleges and university to create effective question paper.</a:t>
             </a:r>
           </a:p>
           <a:p>
@@ -4675,63 +4564,8 @@
                 <a:latin typeface="Times New Roman" pitchFamily="18" charset="0"/>
                 <a:cs typeface="Times New Roman" pitchFamily="18" charset="0"/>
               </a:rPr>
-              <a:t>Less number of staff is required. </a:t>
-            </a:r>
-          </a:p>
-          <a:p>
-            <a:pPr>
-              <a:lnSpc>
-                <a:spcPct val="150000"/>
-              </a:lnSpc>
-              <a:buFont typeface="Wingdings" pitchFamily="2" charset="2"/>
-              <a:buChar char="Ø"/>
-            </a:pPr>
-            <a:r>
-              <a:rPr lang="en-US" sz="2400" dirty="0">
-                <a:solidFill>
-                  <a:schemeClr val="tx1"/>
-                </a:solidFill>
-                <a:latin typeface="Times New Roman" pitchFamily="18" charset="0"/>
-                <a:cs typeface="Times New Roman" pitchFamily="18" charset="0"/>
-              </a:rPr>
-              <a:t>It will be beneficial for colleges and university as it is generating questions using machine it will be error free and </a:t>
-            </a:r>
-            <a:r>
-              <a:rPr lang="en-US" sz="2400" dirty="0" err="1">
-                <a:solidFill>
-                  <a:schemeClr val="tx1"/>
-                </a:solidFill>
-                <a:latin typeface="Times New Roman" pitchFamily="18" charset="0"/>
-                <a:cs typeface="Times New Roman" pitchFamily="18" charset="0"/>
-              </a:rPr>
-              <a:t>and</a:t>
-            </a:r>
-            <a:r>
-              <a:rPr lang="en-US" sz="2400" dirty="0">
-                <a:solidFill>
-                  <a:schemeClr val="tx1"/>
-                </a:solidFill>
-                <a:latin typeface="Times New Roman" pitchFamily="18" charset="0"/>
-                <a:cs typeface="Times New Roman" pitchFamily="18" charset="0"/>
-              </a:rPr>
-              <a:t> excludes human efforts.</a:t>
-            </a:r>
-          </a:p>
-          <a:p>
-            <a:pPr>
-              <a:lnSpc>
-                <a:spcPct val="150000"/>
-              </a:lnSpc>
-              <a:buFont typeface="Wingdings" pitchFamily="2" charset="2"/>
-              <a:buChar char="Ø"/>
-            </a:pPr>
-            <a:endParaRPr lang="en-US" sz="2400" dirty="0">
-              <a:solidFill>
-                <a:schemeClr val="tx1"/>
-              </a:solidFill>
-              <a:latin typeface="Times New Roman" pitchFamily="18" charset="0"/>
-              <a:cs typeface="Times New Roman" pitchFamily="18" charset="0"/>
-            </a:endParaRPr>
+              <a:t>The system allows the university and colleges to act according   to their demands and extract each kind of test question quickly    from the existing trial question bank to suit an examination   paper developed according to the colleges’ needs.</a:t>
+            </a:r>
           </a:p>
         </p:txBody>
       </p:sp>
@@ -4762,7 +4596,7 @@
       </p:grpSpPr>
       <p:sp>
         <p:nvSpPr>
-          <p:cNvPr id="1048621" name="Title 1"/>
+          <p:cNvPr id="1048625" name="Title 1"/>
           <p:cNvSpPr>
             <a:spLocks noGrp="1"/>
           </p:cNvSpPr>
@@ -4772,7 +4606,7 @@
         </p:nvSpPr>
         <p:spPr>
           <a:xfrm>
-            <a:off x="533400" y="609600"/>
+            <a:off x="457200" y="609600"/>
             <a:ext cx="8229600" cy="856488"/>
           </a:xfrm>
         </p:spPr>
@@ -4785,14 +4619,15 @@
                 <a:latin typeface="Times New Roman" pitchFamily="18" charset="0"/>
                 <a:cs typeface="Times New Roman" pitchFamily="18" charset="0"/>
               </a:rPr>
-              <a:t>Conclusion</a:t>
-            </a:r>
-          </a:p>
-        </p:txBody>
-      </p:sp>
-      <p:sp>
-        <p:nvSpPr>
-          <p:cNvPr id="1048622" name="Content Placeholder 2"/>
+              <a:t>References</a:t>
+            </a:r>
+            <a:endParaRPr lang="en-US" b="1" dirty="0"/>
+          </a:p>
+        </p:txBody>
+      </p:sp>
+      <p:sp>
+        <p:nvSpPr>
+          <p:cNvPr id="1048626" name="Content Placeholder 2"/>
           <p:cNvSpPr>
             <a:spLocks noGrp="1"/>
           </p:cNvSpPr>
@@ -4802,13 +4637,13 @@
         </p:nvSpPr>
         <p:spPr>
           <a:xfrm>
-            <a:off x="304800" y="1828800"/>
-            <a:ext cx="8610600" cy="4876800"/>
+            <a:off x="304800" y="1676400"/>
+            <a:ext cx="8610600" cy="4953000"/>
           </a:xfrm>
         </p:spPr>
         <p:txBody>
           <a:bodyPr>
-            <a:normAutofit/>
+            <a:noAutofit/>
           </a:bodyPr>
           <a:lstStyle/>
           <a:p>
@@ -4820,14 +4655,64 @@
               <a:buChar char="Ø"/>
             </a:pPr>
             <a:r>
-              <a:rPr lang="en-US" sz="2400" dirty="0">
-                <a:solidFill>
-                  <a:schemeClr val="tx1"/>
-                </a:solidFill>
-                <a:latin typeface="Times New Roman" pitchFamily="18" charset="0"/>
-                <a:cs typeface="Times New Roman" pitchFamily="18" charset="0"/>
-              </a:rPr>
-              <a:t>Proposed system will help colleges and university to create effective question paper.</a:t>
+              <a:rPr lang="en-US" sz="2000" dirty="0" err="1">
+                <a:solidFill>
+                  <a:schemeClr val="tx1"/>
+                </a:solidFill>
+                <a:latin typeface="Times New Roman" pitchFamily="18" charset="0"/>
+                <a:cs typeface="Times New Roman" pitchFamily="18" charset="0"/>
+              </a:rPr>
+              <a:t>Gauri</a:t>
+            </a:r>
+            <a:r>
+              <a:rPr lang="en-US" sz="2000" dirty="0">
+                <a:solidFill>
+                  <a:schemeClr val="tx1"/>
+                </a:solidFill>
+                <a:latin typeface="Times New Roman" pitchFamily="18" charset="0"/>
+                <a:cs typeface="Times New Roman" pitchFamily="18" charset="0"/>
+              </a:rPr>
+              <a:t> </a:t>
+            </a:r>
+            <a:r>
+              <a:rPr lang="en-US" sz="2000" dirty="0" err="1">
+                <a:solidFill>
+                  <a:schemeClr val="tx1"/>
+                </a:solidFill>
+                <a:latin typeface="Times New Roman" pitchFamily="18" charset="0"/>
+                <a:cs typeface="Times New Roman" pitchFamily="18" charset="0"/>
+              </a:rPr>
+              <a:t>Nalawade</a:t>
+            </a:r>
+            <a:r>
+              <a:rPr lang="en-US" sz="2000" dirty="0">
+                <a:solidFill>
+                  <a:schemeClr val="tx1"/>
+                </a:solidFill>
+                <a:latin typeface="Times New Roman" pitchFamily="18" charset="0"/>
+                <a:cs typeface="Times New Roman" pitchFamily="18" charset="0"/>
+              </a:rPr>
+              <a:t> ,</a:t>
+            </a:r>
+            <a:r>
+              <a:rPr lang="en-US" sz="2000" dirty="0" err="1">
+                <a:solidFill>
+                  <a:schemeClr val="tx1"/>
+                </a:solidFill>
+                <a:latin typeface="Times New Roman" pitchFamily="18" charset="0"/>
+                <a:cs typeface="Times New Roman" pitchFamily="18" charset="0"/>
+              </a:rPr>
+              <a:t>Rekha</a:t>
+            </a:r>
+            <a:r>
+              <a:rPr lang="en-US" sz="2000" dirty="0">
+                <a:solidFill>
+                  <a:schemeClr val="tx1"/>
+                </a:solidFill>
+                <a:latin typeface="Times New Roman" pitchFamily="18" charset="0"/>
+                <a:cs typeface="Times New Roman" pitchFamily="18" charset="0"/>
+              </a:rPr>
+              <a:t> Ramesh , “ Automatic Generation of Question paper From User Entered Specifications using a  Semantically Tagged Question Repository,” 2016</a:t>
             </a:r>
           </a:p>
           <a:p>
@@ -4839,15 +4724,330 @@
               <a:buChar char="Ø"/>
             </a:pPr>
             <a:r>
-              <a:rPr lang="en-US" sz="2400" dirty="0">
-                <a:solidFill>
-                  <a:schemeClr val="tx1"/>
-                </a:solidFill>
-                <a:latin typeface="Times New Roman" pitchFamily="18" charset="0"/>
-                <a:cs typeface="Times New Roman" pitchFamily="18" charset="0"/>
-              </a:rPr>
-              <a:t>The system allows the university and colleges to act according   to their demands and extract each kind of test question quickly    from the existing trial question bank to suit an examination   paper developed according to the colleges’ needs.</a:t>
-            </a:r>
+              <a:rPr lang="en-US" sz="2000" dirty="0" err="1">
+                <a:solidFill>
+                  <a:schemeClr val="tx1"/>
+                </a:solidFill>
+                <a:latin typeface="Times New Roman" pitchFamily="18" charset="0"/>
+                <a:cs typeface="Times New Roman" pitchFamily="18" charset="0"/>
+              </a:rPr>
+              <a:t>Simranjeet</a:t>
+            </a:r>
+            <a:r>
+              <a:rPr lang="en-US" sz="2000" dirty="0">
+                <a:solidFill>
+                  <a:schemeClr val="tx1"/>
+                </a:solidFill>
+                <a:latin typeface="Times New Roman" pitchFamily="18" charset="0"/>
+                <a:cs typeface="Times New Roman" pitchFamily="18" charset="0"/>
+              </a:rPr>
+              <a:t> </a:t>
+            </a:r>
+            <a:r>
+              <a:rPr lang="en-US" sz="2000" dirty="0" err="1">
+                <a:solidFill>
+                  <a:schemeClr val="tx1"/>
+                </a:solidFill>
+                <a:latin typeface="Times New Roman" pitchFamily="18" charset="0"/>
+                <a:cs typeface="Times New Roman" pitchFamily="18" charset="0"/>
+              </a:rPr>
+              <a:t>Kaur</a:t>
+            </a:r>
+            <a:r>
+              <a:rPr lang="en-US" sz="2000" dirty="0">
+                <a:solidFill>
+                  <a:schemeClr val="tx1"/>
+                </a:solidFill>
+                <a:latin typeface="Times New Roman" pitchFamily="18" charset="0"/>
+                <a:cs typeface="Times New Roman" pitchFamily="18" charset="0"/>
+              </a:rPr>
+              <a:t> </a:t>
+            </a:r>
+            <a:r>
+              <a:rPr lang="en-US" sz="2000" dirty="0" err="1">
+                <a:solidFill>
+                  <a:schemeClr val="tx1"/>
+                </a:solidFill>
+                <a:latin typeface="Times New Roman" pitchFamily="18" charset="0"/>
+                <a:cs typeface="Times New Roman" pitchFamily="18" charset="0"/>
+              </a:rPr>
+              <a:t>Bindra</a:t>
+            </a:r>
+            <a:r>
+              <a:rPr lang="en-US" sz="2000" dirty="0">
+                <a:solidFill>
+                  <a:schemeClr val="tx1"/>
+                </a:solidFill>
+                <a:latin typeface="Times New Roman" pitchFamily="18" charset="0"/>
+                <a:cs typeface="Times New Roman" pitchFamily="18" charset="0"/>
+              </a:rPr>
+              <a:t>,  “Outcome  Based  Predictive Analysis  of Automatic Question Paper Using Data Mining” proceeding      of the 2nd International Conference On Communication And Electronics Systems (ICCES 2017).</a:t>
+            </a:r>
+          </a:p>
+          <a:p>
+            <a:pPr>
+              <a:lnSpc>
+                <a:spcPct val="150000"/>
+              </a:lnSpc>
+              <a:buFont typeface="Wingdings" pitchFamily="2" charset="2"/>
+              <a:buChar char="Ø"/>
+            </a:pPr>
+            <a:r>
+              <a:rPr lang="en-US" sz="2000" dirty="0">
+                <a:solidFill>
+                  <a:schemeClr val="tx1"/>
+                </a:solidFill>
+                <a:latin typeface="Times New Roman" pitchFamily="18" charset="0"/>
+                <a:cs typeface="Times New Roman" pitchFamily="18" charset="0"/>
+              </a:rPr>
+              <a:t>Vijay </a:t>
+            </a:r>
+            <a:r>
+              <a:rPr lang="en-US" sz="2000" dirty="0" err="1">
+                <a:solidFill>
+                  <a:schemeClr val="tx1"/>
+                </a:solidFill>
+                <a:latin typeface="Times New Roman" pitchFamily="18" charset="0"/>
+                <a:cs typeface="Times New Roman" pitchFamily="18" charset="0"/>
+              </a:rPr>
+              <a:t>Krishan</a:t>
+            </a:r>
+            <a:r>
+              <a:rPr lang="en-US" sz="2000" dirty="0">
+                <a:solidFill>
+                  <a:schemeClr val="tx1"/>
+                </a:solidFill>
+                <a:latin typeface="Times New Roman" pitchFamily="18" charset="0"/>
+                <a:cs typeface="Times New Roman" pitchFamily="18" charset="0"/>
+              </a:rPr>
+              <a:t> </a:t>
+            </a:r>
+            <a:r>
+              <a:rPr lang="en-US" sz="2000" dirty="0" err="1">
+                <a:solidFill>
+                  <a:schemeClr val="tx1"/>
+                </a:solidFill>
+                <a:latin typeface="Times New Roman" pitchFamily="18" charset="0"/>
+                <a:cs typeface="Times New Roman" pitchFamily="18" charset="0"/>
+              </a:rPr>
+              <a:t>Purohit</a:t>
+            </a:r>
+            <a:r>
+              <a:rPr lang="en-US" sz="2000" dirty="0">
+                <a:solidFill>
+                  <a:schemeClr val="tx1"/>
+                </a:solidFill>
+                <a:latin typeface="Times New Roman" pitchFamily="18" charset="0"/>
+                <a:cs typeface="Times New Roman" pitchFamily="18" charset="0"/>
+              </a:rPr>
+              <a:t>', </a:t>
+            </a:r>
+            <a:r>
+              <a:rPr lang="en-US" sz="2000" dirty="0" err="1">
+                <a:solidFill>
+                  <a:schemeClr val="tx1"/>
+                </a:solidFill>
+                <a:latin typeface="Times New Roman" pitchFamily="18" charset="0"/>
+                <a:cs typeface="Times New Roman" pitchFamily="18" charset="0"/>
+              </a:rPr>
+              <a:t>Abhijeet</a:t>
+            </a:r>
+            <a:r>
+              <a:rPr lang="en-US" sz="2000" dirty="0">
+                <a:solidFill>
+                  <a:schemeClr val="tx1"/>
+                </a:solidFill>
+                <a:latin typeface="Times New Roman" pitchFamily="18" charset="0"/>
+                <a:cs typeface="Times New Roman" pitchFamily="18" charset="0"/>
+              </a:rPr>
+              <a:t> Kumar', </a:t>
+            </a:r>
+            <a:r>
+              <a:rPr lang="en-US" sz="2000" dirty="0" err="1">
+                <a:solidFill>
+                  <a:schemeClr val="tx1"/>
+                </a:solidFill>
+                <a:latin typeface="Times New Roman" pitchFamily="18" charset="0"/>
+                <a:cs typeface="Times New Roman" pitchFamily="18" charset="0"/>
+              </a:rPr>
+              <a:t>Asma</a:t>
+            </a:r>
+            <a:r>
+              <a:rPr lang="en-US" sz="2000" dirty="0">
+                <a:solidFill>
+                  <a:schemeClr val="tx1"/>
+                </a:solidFill>
+                <a:latin typeface="Times New Roman" pitchFamily="18" charset="0"/>
+                <a:cs typeface="Times New Roman" pitchFamily="18" charset="0"/>
+              </a:rPr>
+              <a:t> </a:t>
+            </a:r>
+            <a:r>
+              <a:rPr lang="en-US" sz="2000" dirty="0" err="1">
+                <a:solidFill>
+                  <a:schemeClr val="tx1"/>
+                </a:solidFill>
+                <a:latin typeface="Times New Roman" pitchFamily="18" charset="0"/>
+                <a:cs typeface="Times New Roman" pitchFamily="18" charset="0"/>
+              </a:rPr>
+              <a:t>Jabeen</a:t>
+            </a:r>
+            <a:r>
+              <a:rPr lang="en-US" sz="2000" dirty="0">
+                <a:solidFill>
+                  <a:schemeClr val="tx1"/>
+                </a:solidFill>
+                <a:latin typeface="Times New Roman" pitchFamily="18" charset="0"/>
+                <a:cs typeface="Times New Roman" pitchFamily="18" charset="0"/>
+              </a:rPr>
+              <a:t>',      </a:t>
+            </a:r>
+            <a:r>
+              <a:rPr lang="en-US" sz="2000" dirty="0" err="1">
+                <a:solidFill>
+                  <a:schemeClr val="tx1"/>
+                </a:solidFill>
+                <a:latin typeface="Times New Roman" pitchFamily="18" charset="0"/>
+                <a:cs typeface="Times New Roman" pitchFamily="18" charset="0"/>
+              </a:rPr>
+              <a:t>Saurabh</a:t>
+            </a:r>
+            <a:r>
+              <a:rPr lang="en-US" sz="2000" dirty="0">
+                <a:solidFill>
+                  <a:schemeClr val="tx1"/>
+                </a:solidFill>
+                <a:latin typeface="Times New Roman" pitchFamily="18" charset="0"/>
+                <a:cs typeface="Times New Roman" pitchFamily="18" charset="0"/>
+              </a:rPr>
+              <a:t> </a:t>
+            </a:r>
+            <a:r>
+              <a:rPr lang="en-US" sz="2000" dirty="0" err="1">
+                <a:solidFill>
+                  <a:schemeClr val="tx1"/>
+                </a:solidFill>
+                <a:latin typeface="Times New Roman" pitchFamily="18" charset="0"/>
+                <a:cs typeface="Times New Roman" pitchFamily="18" charset="0"/>
+              </a:rPr>
+              <a:t>Srivastava</a:t>
+            </a:r>
+            <a:r>
+              <a:rPr lang="en-US" sz="2000" dirty="0">
+                <a:solidFill>
+                  <a:schemeClr val="tx1"/>
+                </a:solidFill>
+                <a:latin typeface="Times New Roman" pitchFamily="18" charset="0"/>
+                <a:cs typeface="Times New Roman" pitchFamily="18" charset="0"/>
+              </a:rPr>
+              <a:t>', R H </a:t>
+            </a:r>
+            <a:r>
+              <a:rPr lang="en-US" sz="2000" dirty="0" err="1">
+                <a:solidFill>
+                  <a:schemeClr val="tx1"/>
+                </a:solidFill>
+                <a:latin typeface="Times New Roman" pitchFamily="18" charset="0"/>
+                <a:cs typeface="Times New Roman" pitchFamily="18" charset="0"/>
+              </a:rPr>
+              <a:t>Goudar</a:t>
+            </a:r>
+            <a:r>
+              <a:rPr lang="en-US" sz="2000" dirty="0">
+                <a:solidFill>
+                  <a:schemeClr val="tx1"/>
+                </a:solidFill>
+                <a:latin typeface="Times New Roman" pitchFamily="18" charset="0"/>
+                <a:cs typeface="Times New Roman" pitchFamily="18" charset="0"/>
+              </a:rPr>
+              <a:t>' ,</a:t>
+            </a:r>
+            <a:r>
+              <a:rPr lang="en-US" sz="2000" dirty="0" err="1">
+                <a:solidFill>
+                  <a:schemeClr val="tx1"/>
+                </a:solidFill>
+                <a:latin typeface="Times New Roman" pitchFamily="18" charset="0"/>
+                <a:cs typeface="Times New Roman" pitchFamily="18" charset="0"/>
+              </a:rPr>
+              <a:t>Shivanagowda</a:t>
+            </a:r>
+            <a:r>
+              <a:rPr lang="en-US" sz="2000" dirty="0">
+                <a:solidFill>
+                  <a:schemeClr val="tx1"/>
+                </a:solidFill>
+                <a:latin typeface="Times New Roman" pitchFamily="18" charset="0"/>
+                <a:cs typeface="Times New Roman" pitchFamily="18" charset="0"/>
+              </a:rPr>
+              <a:t>, “Design of Adaptive Question Bank Development and Management System”, 2nd IEEE International Conference on </a:t>
+            </a:r>
+            <a:r>
+              <a:rPr lang="en-US" sz="2000" dirty="0" err="1">
+                <a:solidFill>
+                  <a:schemeClr val="tx1"/>
+                </a:solidFill>
+                <a:latin typeface="Times New Roman" pitchFamily="18" charset="0"/>
+                <a:cs typeface="Times New Roman" pitchFamily="18" charset="0"/>
+              </a:rPr>
+              <a:t>Parallel,Distributed</a:t>
+            </a:r>
+            <a:r>
+              <a:rPr lang="en-US" sz="2000" dirty="0">
+                <a:solidFill>
+                  <a:schemeClr val="tx1"/>
+                </a:solidFill>
+                <a:latin typeface="Times New Roman" pitchFamily="18" charset="0"/>
+                <a:cs typeface="Times New Roman" pitchFamily="18" charset="0"/>
+              </a:rPr>
+              <a:t> and Grid Computing, 2012</a:t>
+            </a:r>
+          </a:p>
+          <a:p>
+            <a:pPr>
+              <a:lnSpc>
+                <a:spcPct val="150000"/>
+              </a:lnSpc>
+              <a:buFont typeface="Wingdings" pitchFamily="2" charset="2"/>
+              <a:buChar char="Ø"/>
+            </a:pPr>
+            <a:endParaRPr lang="en-US" sz="2000" dirty="0">
+              <a:solidFill>
+                <a:schemeClr val="tx1"/>
+              </a:solidFill>
+              <a:latin typeface="Times New Roman" pitchFamily="18" charset="0"/>
+              <a:cs typeface="Times New Roman" pitchFamily="18" charset="0"/>
+            </a:endParaRPr>
+          </a:p>
+          <a:p>
+            <a:pPr marL="114300" indent="0">
+              <a:lnSpc>
+                <a:spcPct val="150000"/>
+              </a:lnSpc>
+              <a:buNone/>
+            </a:pPr>
+            <a:endParaRPr lang="en-US" sz="2000" dirty="0">
+              <a:solidFill>
+                <a:schemeClr val="tx1"/>
+              </a:solidFill>
+              <a:latin typeface="Times New Roman" pitchFamily="18" charset="0"/>
+              <a:cs typeface="Times New Roman" pitchFamily="18" charset="0"/>
+            </a:endParaRPr>
+          </a:p>
+          <a:p>
+            <a:pPr marL="114300" indent="0">
+              <a:lnSpc>
+                <a:spcPct val="150000"/>
+              </a:lnSpc>
+              <a:buNone/>
+            </a:pPr>
+            <a:endParaRPr lang="en-US" sz="2000" dirty="0">
+              <a:solidFill>
+                <a:schemeClr val="tx1"/>
+              </a:solidFill>
+              <a:latin typeface="Times New Roman" pitchFamily="18" charset="0"/>
+              <a:cs typeface="Times New Roman" pitchFamily="18" charset="0"/>
+            </a:endParaRPr>
           </a:p>
         </p:txBody>
       </p:sp>
@@ -4878,488 +5078,6 @@
       </p:grpSpPr>
       <p:sp>
         <p:nvSpPr>
-          <p:cNvPr id="1048625" name="Title 1"/>
-          <p:cNvSpPr>
-            <a:spLocks noGrp="1"/>
-          </p:cNvSpPr>
-          <p:nvPr>
-            <p:ph type="title"/>
-          </p:nvPr>
-        </p:nvSpPr>
-        <p:spPr>
-          <a:xfrm>
-            <a:off x="457200" y="609600"/>
-            <a:ext cx="8229600" cy="856488"/>
-          </a:xfrm>
-        </p:spPr>
-        <p:txBody>
-          <a:bodyPr/>
-          <a:lstStyle/>
-          <a:p>
-            <a:r>
-              <a:rPr lang="en-US" b="1" dirty="0">
-                <a:latin typeface="Times New Roman" pitchFamily="18" charset="0"/>
-                <a:cs typeface="Times New Roman" pitchFamily="18" charset="0"/>
-              </a:rPr>
-              <a:t>References</a:t>
-            </a:r>
-            <a:endParaRPr lang="en-US" b="1" dirty="0"/>
-          </a:p>
-        </p:txBody>
-      </p:sp>
-      <p:sp>
-        <p:nvSpPr>
-          <p:cNvPr id="1048626" name="Content Placeholder 2"/>
-          <p:cNvSpPr>
-            <a:spLocks noGrp="1"/>
-          </p:cNvSpPr>
-          <p:nvPr>
-            <p:ph idx="1"/>
-          </p:nvPr>
-        </p:nvSpPr>
-        <p:spPr>
-          <a:xfrm>
-            <a:off x="304800" y="1676400"/>
-            <a:ext cx="8610600" cy="4953000"/>
-          </a:xfrm>
-        </p:spPr>
-        <p:txBody>
-          <a:bodyPr>
-            <a:noAutofit/>
-          </a:bodyPr>
-          <a:lstStyle/>
-          <a:p>
-            <a:pPr>
-              <a:lnSpc>
-                <a:spcPct val="150000"/>
-              </a:lnSpc>
-              <a:buFont typeface="Wingdings" pitchFamily="2" charset="2"/>
-              <a:buChar char="Ø"/>
-            </a:pPr>
-            <a:r>
-              <a:rPr lang="en-US" sz="2000" dirty="0" err="1">
-                <a:solidFill>
-                  <a:schemeClr val="tx1"/>
-                </a:solidFill>
-                <a:latin typeface="Times New Roman" pitchFamily="18" charset="0"/>
-                <a:cs typeface="Times New Roman" pitchFamily="18" charset="0"/>
-              </a:rPr>
-              <a:t>Gauri</a:t>
-            </a:r>
-            <a:r>
-              <a:rPr lang="en-US" sz="2000" dirty="0">
-                <a:solidFill>
-                  <a:schemeClr val="tx1"/>
-                </a:solidFill>
-                <a:latin typeface="Times New Roman" pitchFamily="18" charset="0"/>
-                <a:cs typeface="Times New Roman" pitchFamily="18" charset="0"/>
-              </a:rPr>
-              <a:t> </a:t>
-            </a:r>
-            <a:r>
-              <a:rPr lang="en-US" sz="2000" dirty="0" err="1">
-                <a:solidFill>
-                  <a:schemeClr val="tx1"/>
-                </a:solidFill>
-                <a:latin typeface="Times New Roman" pitchFamily="18" charset="0"/>
-                <a:cs typeface="Times New Roman" pitchFamily="18" charset="0"/>
-              </a:rPr>
-              <a:t>Nalawade</a:t>
-            </a:r>
-            <a:r>
-              <a:rPr lang="en-US" sz="2000" dirty="0">
-                <a:solidFill>
-                  <a:schemeClr val="tx1"/>
-                </a:solidFill>
-                <a:latin typeface="Times New Roman" pitchFamily="18" charset="0"/>
-                <a:cs typeface="Times New Roman" pitchFamily="18" charset="0"/>
-              </a:rPr>
-              <a:t> ,</a:t>
-            </a:r>
-            <a:r>
-              <a:rPr lang="en-US" sz="2000" dirty="0" err="1">
-                <a:solidFill>
-                  <a:schemeClr val="tx1"/>
-                </a:solidFill>
-                <a:latin typeface="Times New Roman" pitchFamily="18" charset="0"/>
-                <a:cs typeface="Times New Roman" pitchFamily="18" charset="0"/>
-              </a:rPr>
-              <a:t>Rekha</a:t>
-            </a:r>
-            <a:r>
-              <a:rPr lang="en-US" sz="2000" dirty="0">
-                <a:solidFill>
-                  <a:schemeClr val="tx1"/>
-                </a:solidFill>
-                <a:latin typeface="Times New Roman" pitchFamily="18" charset="0"/>
-                <a:cs typeface="Times New Roman" pitchFamily="18" charset="0"/>
-              </a:rPr>
-              <a:t> Ramesh , “ Automatic Generation of Question paper From User Entered Specifications using a  Semantically Tagged Question Repository,” 2016</a:t>
-            </a:r>
-          </a:p>
-          <a:p>
-            <a:pPr>
-              <a:lnSpc>
-                <a:spcPct val="150000"/>
-              </a:lnSpc>
-              <a:buFont typeface="Wingdings" pitchFamily="2" charset="2"/>
-              <a:buChar char="Ø"/>
-            </a:pPr>
-            <a:r>
-              <a:rPr lang="en-US" sz="2000" dirty="0" err="1">
-                <a:solidFill>
-                  <a:schemeClr val="tx1"/>
-                </a:solidFill>
-                <a:latin typeface="Times New Roman" pitchFamily="18" charset="0"/>
-                <a:cs typeface="Times New Roman" pitchFamily="18" charset="0"/>
-              </a:rPr>
-              <a:t>Simranjeet</a:t>
-            </a:r>
-            <a:r>
-              <a:rPr lang="en-US" sz="2000" dirty="0">
-                <a:solidFill>
-                  <a:schemeClr val="tx1"/>
-                </a:solidFill>
-                <a:latin typeface="Times New Roman" pitchFamily="18" charset="0"/>
-                <a:cs typeface="Times New Roman" pitchFamily="18" charset="0"/>
-              </a:rPr>
-              <a:t> </a:t>
-            </a:r>
-            <a:r>
-              <a:rPr lang="en-US" sz="2000" dirty="0" err="1">
-                <a:solidFill>
-                  <a:schemeClr val="tx1"/>
-                </a:solidFill>
-                <a:latin typeface="Times New Roman" pitchFamily="18" charset="0"/>
-                <a:cs typeface="Times New Roman" pitchFamily="18" charset="0"/>
-              </a:rPr>
-              <a:t>Kaur</a:t>
-            </a:r>
-            <a:r>
-              <a:rPr lang="en-US" sz="2000" dirty="0">
-                <a:solidFill>
-                  <a:schemeClr val="tx1"/>
-                </a:solidFill>
-                <a:latin typeface="Times New Roman" pitchFamily="18" charset="0"/>
-                <a:cs typeface="Times New Roman" pitchFamily="18" charset="0"/>
-              </a:rPr>
-              <a:t> </a:t>
-            </a:r>
-            <a:r>
-              <a:rPr lang="en-US" sz="2000" dirty="0" err="1">
-                <a:solidFill>
-                  <a:schemeClr val="tx1"/>
-                </a:solidFill>
-                <a:latin typeface="Times New Roman" pitchFamily="18" charset="0"/>
-                <a:cs typeface="Times New Roman" pitchFamily="18" charset="0"/>
-              </a:rPr>
-              <a:t>Bindra</a:t>
-            </a:r>
-            <a:r>
-              <a:rPr lang="en-US" sz="2000" dirty="0">
-                <a:solidFill>
-                  <a:schemeClr val="tx1"/>
-                </a:solidFill>
-                <a:latin typeface="Times New Roman" pitchFamily="18" charset="0"/>
-                <a:cs typeface="Times New Roman" pitchFamily="18" charset="0"/>
-              </a:rPr>
-              <a:t>,  “Outcome  Based  Predictive Analysis  of Automatic Question Paper Using Data Mining” proceeding      of the 2nd International Conference On Communication And Electronics Systems (ICCES 2017).</a:t>
-            </a:r>
-          </a:p>
-          <a:p>
-            <a:pPr>
-              <a:lnSpc>
-                <a:spcPct val="150000"/>
-              </a:lnSpc>
-              <a:buFont typeface="Wingdings" pitchFamily="2" charset="2"/>
-              <a:buChar char="Ø"/>
-            </a:pPr>
-            <a:r>
-              <a:rPr lang="en-US" sz="2000" dirty="0">
-                <a:solidFill>
-                  <a:schemeClr val="tx1"/>
-                </a:solidFill>
-                <a:latin typeface="Times New Roman" pitchFamily="18" charset="0"/>
-                <a:cs typeface="Times New Roman" pitchFamily="18" charset="0"/>
-              </a:rPr>
-              <a:t>Vijay </a:t>
-            </a:r>
-            <a:r>
-              <a:rPr lang="en-US" sz="2000" dirty="0" err="1">
-                <a:solidFill>
-                  <a:schemeClr val="tx1"/>
-                </a:solidFill>
-                <a:latin typeface="Times New Roman" pitchFamily="18" charset="0"/>
-                <a:cs typeface="Times New Roman" pitchFamily="18" charset="0"/>
-              </a:rPr>
-              <a:t>Krishan</a:t>
-            </a:r>
-            <a:r>
-              <a:rPr lang="en-US" sz="2000" dirty="0">
-                <a:solidFill>
-                  <a:schemeClr val="tx1"/>
-                </a:solidFill>
-                <a:latin typeface="Times New Roman" pitchFamily="18" charset="0"/>
-                <a:cs typeface="Times New Roman" pitchFamily="18" charset="0"/>
-              </a:rPr>
-              <a:t> </a:t>
-            </a:r>
-            <a:r>
-              <a:rPr lang="en-US" sz="2000" dirty="0" err="1">
-                <a:solidFill>
-                  <a:schemeClr val="tx1"/>
-                </a:solidFill>
-                <a:latin typeface="Times New Roman" pitchFamily="18" charset="0"/>
-                <a:cs typeface="Times New Roman" pitchFamily="18" charset="0"/>
-              </a:rPr>
-              <a:t>Purohit</a:t>
-            </a:r>
-            <a:r>
-              <a:rPr lang="en-US" sz="2000" dirty="0">
-                <a:solidFill>
-                  <a:schemeClr val="tx1"/>
-                </a:solidFill>
-                <a:latin typeface="Times New Roman" pitchFamily="18" charset="0"/>
-                <a:cs typeface="Times New Roman" pitchFamily="18" charset="0"/>
-              </a:rPr>
-              <a:t>', </a:t>
-            </a:r>
-            <a:r>
-              <a:rPr lang="en-US" sz="2000" dirty="0" err="1">
-                <a:solidFill>
-                  <a:schemeClr val="tx1"/>
-                </a:solidFill>
-                <a:latin typeface="Times New Roman" pitchFamily="18" charset="0"/>
-                <a:cs typeface="Times New Roman" pitchFamily="18" charset="0"/>
-              </a:rPr>
-              <a:t>Abhijeet</a:t>
-            </a:r>
-            <a:r>
-              <a:rPr lang="en-US" sz="2000" dirty="0">
-                <a:solidFill>
-                  <a:schemeClr val="tx1"/>
-                </a:solidFill>
-                <a:latin typeface="Times New Roman" pitchFamily="18" charset="0"/>
-                <a:cs typeface="Times New Roman" pitchFamily="18" charset="0"/>
-              </a:rPr>
-              <a:t> Kumar', </a:t>
-            </a:r>
-            <a:r>
-              <a:rPr lang="en-US" sz="2000" dirty="0" err="1">
-                <a:solidFill>
-                  <a:schemeClr val="tx1"/>
-                </a:solidFill>
-                <a:latin typeface="Times New Roman" pitchFamily="18" charset="0"/>
-                <a:cs typeface="Times New Roman" pitchFamily="18" charset="0"/>
-              </a:rPr>
-              <a:t>Asma</a:t>
-            </a:r>
-            <a:r>
-              <a:rPr lang="en-US" sz="2000" dirty="0">
-                <a:solidFill>
-                  <a:schemeClr val="tx1"/>
-                </a:solidFill>
-                <a:latin typeface="Times New Roman" pitchFamily="18" charset="0"/>
-                <a:cs typeface="Times New Roman" pitchFamily="18" charset="0"/>
-              </a:rPr>
-              <a:t> </a:t>
-            </a:r>
-            <a:r>
-              <a:rPr lang="en-US" sz="2000" dirty="0" err="1">
-                <a:solidFill>
-                  <a:schemeClr val="tx1"/>
-                </a:solidFill>
-                <a:latin typeface="Times New Roman" pitchFamily="18" charset="0"/>
-                <a:cs typeface="Times New Roman" pitchFamily="18" charset="0"/>
-              </a:rPr>
-              <a:t>Jabeen</a:t>
-            </a:r>
-            <a:r>
-              <a:rPr lang="en-US" sz="2000" dirty="0">
-                <a:solidFill>
-                  <a:schemeClr val="tx1"/>
-                </a:solidFill>
-                <a:latin typeface="Times New Roman" pitchFamily="18" charset="0"/>
-                <a:cs typeface="Times New Roman" pitchFamily="18" charset="0"/>
-              </a:rPr>
-              <a:t>',      </a:t>
-            </a:r>
-            <a:r>
-              <a:rPr lang="en-US" sz="2000" dirty="0" err="1">
-                <a:solidFill>
-                  <a:schemeClr val="tx1"/>
-                </a:solidFill>
-                <a:latin typeface="Times New Roman" pitchFamily="18" charset="0"/>
-                <a:cs typeface="Times New Roman" pitchFamily="18" charset="0"/>
-              </a:rPr>
-              <a:t>Saurabh</a:t>
-            </a:r>
-            <a:r>
-              <a:rPr lang="en-US" sz="2000" dirty="0">
-                <a:solidFill>
-                  <a:schemeClr val="tx1"/>
-                </a:solidFill>
-                <a:latin typeface="Times New Roman" pitchFamily="18" charset="0"/>
-                <a:cs typeface="Times New Roman" pitchFamily="18" charset="0"/>
-              </a:rPr>
-              <a:t> </a:t>
-            </a:r>
-            <a:r>
-              <a:rPr lang="en-US" sz="2000" dirty="0" err="1">
-                <a:solidFill>
-                  <a:schemeClr val="tx1"/>
-                </a:solidFill>
-                <a:latin typeface="Times New Roman" pitchFamily="18" charset="0"/>
-                <a:cs typeface="Times New Roman" pitchFamily="18" charset="0"/>
-              </a:rPr>
-              <a:t>Srivastava</a:t>
-            </a:r>
-            <a:r>
-              <a:rPr lang="en-US" sz="2000" dirty="0">
-                <a:solidFill>
-                  <a:schemeClr val="tx1"/>
-                </a:solidFill>
-                <a:latin typeface="Times New Roman" pitchFamily="18" charset="0"/>
-                <a:cs typeface="Times New Roman" pitchFamily="18" charset="0"/>
-              </a:rPr>
-              <a:t>', R H </a:t>
-            </a:r>
-            <a:r>
-              <a:rPr lang="en-US" sz="2000" dirty="0" err="1">
-                <a:solidFill>
-                  <a:schemeClr val="tx1"/>
-                </a:solidFill>
-                <a:latin typeface="Times New Roman" pitchFamily="18" charset="0"/>
-                <a:cs typeface="Times New Roman" pitchFamily="18" charset="0"/>
-              </a:rPr>
-              <a:t>Goudar</a:t>
-            </a:r>
-            <a:r>
-              <a:rPr lang="en-US" sz="2000" dirty="0">
-                <a:solidFill>
-                  <a:schemeClr val="tx1"/>
-                </a:solidFill>
-                <a:latin typeface="Times New Roman" pitchFamily="18" charset="0"/>
-                <a:cs typeface="Times New Roman" pitchFamily="18" charset="0"/>
-              </a:rPr>
-              <a:t>' ,</a:t>
-            </a:r>
-            <a:r>
-              <a:rPr lang="en-US" sz="2000" dirty="0" err="1">
-                <a:solidFill>
-                  <a:schemeClr val="tx1"/>
-                </a:solidFill>
-                <a:latin typeface="Times New Roman" pitchFamily="18" charset="0"/>
-                <a:cs typeface="Times New Roman" pitchFamily="18" charset="0"/>
-              </a:rPr>
-              <a:t>Shivanagowda</a:t>
-            </a:r>
-            <a:r>
-              <a:rPr lang="en-US" sz="2000" dirty="0">
-                <a:solidFill>
-                  <a:schemeClr val="tx1"/>
-                </a:solidFill>
-                <a:latin typeface="Times New Roman" pitchFamily="18" charset="0"/>
-                <a:cs typeface="Times New Roman" pitchFamily="18" charset="0"/>
-              </a:rPr>
-              <a:t>, “Design of Adaptive Question Bank Development and Management System”, 2nd IEEE International Conference on </a:t>
-            </a:r>
-            <a:r>
-              <a:rPr lang="en-US" sz="2000" dirty="0" err="1">
-                <a:solidFill>
-                  <a:schemeClr val="tx1"/>
-                </a:solidFill>
-                <a:latin typeface="Times New Roman" pitchFamily="18" charset="0"/>
-                <a:cs typeface="Times New Roman" pitchFamily="18" charset="0"/>
-              </a:rPr>
-              <a:t>Parallel,Distributed</a:t>
-            </a:r>
-            <a:r>
-              <a:rPr lang="en-US" sz="2000" dirty="0">
-                <a:solidFill>
-                  <a:schemeClr val="tx1"/>
-                </a:solidFill>
-                <a:latin typeface="Times New Roman" pitchFamily="18" charset="0"/>
-                <a:cs typeface="Times New Roman" pitchFamily="18" charset="0"/>
-              </a:rPr>
-              <a:t> and Grid Computing, 2012</a:t>
-            </a:r>
-          </a:p>
-          <a:p>
-            <a:pPr>
-              <a:lnSpc>
-                <a:spcPct val="150000"/>
-              </a:lnSpc>
-              <a:buFont typeface="Wingdings" pitchFamily="2" charset="2"/>
-              <a:buChar char="Ø"/>
-            </a:pPr>
-            <a:endParaRPr lang="en-US" sz="2000" dirty="0">
-              <a:solidFill>
-                <a:schemeClr val="tx1"/>
-              </a:solidFill>
-              <a:latin typeface="Times New Roman" pitchFamily="18" charset="0"/>
-              <a:cs typeface="Times New Roman" pitchFamily="18" charset="0"/>
-            </a:endParaRPr>
-          </a:p>
-          <a:p>
-            <a:pPr marL="114300" indent="0">
-              <a:lnSpc>
-                <a:spcPct val="150000"/>
-              </a:lnSpc>
-              <a:buNone/>
-            </a:pPr>
-            <a:endParaRPr lang="en-US" sz="2000" dirty="0">
-              <a:solidFill>
-                <a:schemeClr val="tx1"/>
-              </a:solidFill>
-              <a:latin typeface="Times New Roman" pitchFamily="18" charset="0"/>
-              <a:cs typeface="Times New Roman" pitchFamily="18" charset="0"/>
-            </a:endParaRPr>
-          </a:p>
-          <a:p>
-            <a:pPr marL="114300" indent="0">
-              <a:lnSpc>
-                <a:spcPct val="150000"/>
-              </a:lnSpc>
-              <a:buNone/>
-            </a:pPr>
-            <a:endParaRPr lang="en-US" sz="2000" dirty="0">
-              <a:solidFill>
-                <a:schemeClr val="tx1"/>
-              </a:solidFill>
-              <a:latin typeface="Times New Roman" pitchFamily="18" charset="0"/>
-              <a:cs typeface="Times New Roman" pitchFamily="18" charset="0"/>
-            </a:endParaRPr>
-          </a:p>
-        </p:txBody>
-      </p:sp>
-    </p:spTree>
-  </p:cSld>
-  <p:clrMapOvr>
-    <a:masterClrMapping/>
-  </p:clrMapOvr>
-</p:sld>
-</file>
-
-<file path=ppt/slides/slide7.xml><?xml version="1.0" encoding="utf-8"?>
-<p:sld xmlns:a="http://schemas.openxmlformats.org/drawingml/2006/main" xmlns:r="http://schemas.openxmlformats.org/officeDocument/2006/relationships" xmlns:p="http://schemas.openxmlformats.org/presentationml/2006/main">
-  <p:cSld>
-    <p:spTree>
-      <p:nvGrpSpPr>
-        <p:cNvPr id="1" name=""/>
-        <p:cNvGrpSpPr/>
-        <p:nvPr/>
-      </p:nvGrpSpPr>
-      <p:grpSpPr>
-        <a:xfrm>
-          <a:off x="0" y="0"/>
-          <a:ext cx="0" cy="0"/>
-          <a:chOff x="0" y="0"/>
-          <a:chExt cx="0" cy="0"/>
-        </a:xfrm>
-      </p:grpSpPr>
-      <p:sp>
-        <p:nvSpPr>
           <p:cNvPr id="1048627" name="Title 1"/>
           <p:cNvSpPr>
             <a:spLocks noGrp="1"/>
@@ -5669,7 +5387,7 @@
 </p:sld>
 </file>
 
-<file path=ppt/slides/slide8.xml><?xml version="1.0" encoding="utf-8"?>
+<file path=ppt/slides/slide7.xml><?xml version="1.0" encoding="utf-8"?>
 <p:sld xmlns:a="http://schemas.openxmlformats.org/drawingml/2006/main" xmlns:r="http://schemas.openxmlformats.org/officeDocument/2006/relationships" xmlns:p="http://schemas.openxmlformats.org/presentationml/2006/main">
   <p:cSld>
     <p:spTree>
